--- a/talks/src/class03-ntfs.pptx
+++ b/talks/src/class03-ntfs.pptx
@@ -232,7 +232,7 @@
           <a:p>
             <a:fld id="{F378FDCC-6E3B-8447-A84A-C1F15F2E44EA}" type="datetimeFigureOut">
               <a:rPr lang="ru-RU" smtClean="0"/>
-              <a:t>17.10.2021</a:t>
+              <a:t>17.10.2022</a:t>
             </a:fld>
             <a:endParaRPr lang="ru-RU"/>
           </a:p>
@@ -4465,7 +4465,7 @@
           <a:p>
             <a:fld id="{4427D850-C269-5040-9E1D-5D50C477E825}" type="datetimeFigureOut">
               <a:rPr lang="ru-RU" smtClean="0"/>
-              <a:t>17.10.2021</a:t>
+              <a:t>17.10.2022</a:t>
             </a:fld>
             <a:endParaRPr lang="ru-RU"/>
           </a:p>
@@ -4665,7 +4665,7 @@
           <a:p>
             <a:fld id="{4427D850-C269-5040-9E1D-5D50C477E825}" type="datetimeFigureOut">
               <a:rPr lang="ru-RU" smtClean="0"/>
-              <a:t>17.10.2021</a:t>
+              <a:t>17.10.2022</a:t>
             </a:fld>
             <a:endParaRPr lang="ru-RU"/>
           </a:p>
@@ -4875,7 +4875,7 @@
           <a:p>
             <a:fld id="{4427D850-C269-5040-9E1D-5D50C477E825}" type="datetimeFigureOut">
               <a:rPr lang="ru-RU" smtClean="0"/>
-              <a:t>17.10.2021</a:t>
+              <a:t>17.10.2022</a:t>
             </a:fld>
             <a:endParaRPr lang="ru-RU"/>
           </a:p>
@@ -5075,7 +5075,7 @@
           <a:p>
             <a:fld id="{4427D850-C269-5040-9E1D-5D50C477E825}" type="datetimeFigureOut">
               <a:rPr lang="ru-RU" smtClean="0"/>
-              <a:t>17.10.2021</a:t>
+              <a:t>17.10.2022</a:t>
             </a:fld>
             <a:endParaRPr lang="ru-RU"/>
           </a:p>
@@ -5351,7 +5351,7 @@
           <a:p>
             <a:fld id="{4427D850-C269-5040-9E1D-5D50C477E825}" type="datetimeFigureOut">
               <a:rPr lang="ru-RU" smtClean="0"/>
-              <a:t>17.10.2021</a:t>
+              <a:t>17.10.2022</a:t>
             </a:fld>
             <a:endParaRPr lang="ru-RU"/>
           </a:p>
@@ -5619,7 +5619,7 @@
           <a:p>
             <a:fld id="{4427D850-C269-5040-9E1D-5D50C477E825}" type="datetimeFigureOut">
               <a:rPr lang="ru-RU" smtClean="0"/>
-              <a:t>17.10.2021</a:t>
+              <a:t>17.10.2022</a:t>
             </a:fld>
             <a:endParaRPr lang="ru-RU"/>
           </a:p>
@@ -6034,7 +6034,7 @@
           <a:p>
             <a:fld id="{4427D850-C269-5040-9E1D-5D50C477E825}" type="datetimeFigureOut">
               <a:rPr lang="ru-RU" smtClean="0"/>
-              <a:t>17.10.2021</a:t>
+              <a:t>17.10.2022</a:t>
             </a:fld>
             <a:endParaRPr lang="ru-RU"/>
           </a:p>
@@ -6176,7 +6176,7 @@
           <a:p>
             <a:fld id="{4427D850-C269-5040-9E1D-5D50C477E825}" type="datetimeFigureOut">
               <a:rPr lang="ru-RU" smtClean="0"/>
-              <a:t>17.10.2021</a:t>
+              <a:t>17.10.2022</a:t>
             </a:fld>
             <a:endParaRPr lang="ru-RU"/>
           </a:p>
@@ -6289,7 +6289,7 @@
           <a:p>
             <a:fld id="{4427D850-C269-5040-9E1D-5D50C477E825}" type="datetimeFigureOut">
               <a:rPr lang="ru-RU" smtClean="0"/>
-              <a:t>17.10.2021</a:t>
+              <a:t>17.10.2022</a:t>
             </a:fld>
             <a:endParaRPr lang="ru-RU"/>
           </a:p>
@@ -6602,7 +6602,7 @@
           <a:p>
             <a:fld id="{4427D850-C269-5040-9E1D-5D50C477E825}" type="datetimeFigureOut">
               <a:rPr lang="ru-RU" smtClean="0"/>
-              <a:t>17.10.2021</a:t>
+              <a:t>17.10.2022</a:t>
             </a:fld>
             <a:endParaRPr lang="ru-RU"/>
           </a:p>
@@ -6891,7 +6891,7 @@
           <a:p>
             <a:fld id="{4427D850-C269-5040-9E1D-5D50C477E825}" type="datetimeFigureOut">
               <a:rPr lang="ru-RU" smtClean="0"/>
-              <a:t>17.10.2021</a:t>
+              <a:t>17.10.2022</a:t>
             </a:fld>
             <a:endParaRPr lang="ru-RU"/>
           </a:p>
@@ -7134,7 +7134,7 @@
           <a:p>
             <a:fld id="{4427D850-C269-5040-9E1D-5D50C477E825}" type="datetimeFigureOut">
               <a:rPr lang="ru-RU" smtClean="0"/>
-              <a:t>17.10.2021</a:t>
+              <a:t>17.10.2022</a:t>
             </a:fld>
             <a:endParaRPr lang="ru-RU"/>
           </a:p>
@@ -7605,7 +7605,13 @@
           <p:cNvGraphicFramePr>
             <a:graphicFrameLocks noGrp="1"/>
           </p:cNvGraphicFramePr>
-          <p:nvPr/>
+          <p:nvPr>
+            <p:extLst>
+              <p:ext uri="{D42A27DB-BD31-4B8C-83A1-F6EECF244321}">
+                <p14:modId xmlns:p14="http://schemas.microsoft.com/office/powerpoint/2010/main" val="3273368336"/>
+              </p:ext>
+            </p:extLst>
+          </p:nvPr>
         </p:nvGraphicFramePr>
         <p:xfrm>
           <a:off x="0" y="6532604"/>
@@ -7632,14 +7638,7 @@
                     <a:bodyPr/>
                     <a:lstStyle/>
                     <a:p>
-                      <a:r>
-                        <a:rPr lang="en-US" dirty="0"/>
-                        <a:t>Acronis @ </a:t>
-                      </a:r>
-                      <a:r>
-                        <a:rPr lang="ru-RU" dirty="0"/>
-                        <a:t>МФТИ</a:t>
-                      </a:r>
+                      <a:endParaRPr lang="ru-RU" dirty="0"/>
                     </a:p>
                   </a:txBody>
                   <a:tcPr/>
@@ -7857,7 +7856,13 @@
           <p:cNvGraphicFramePr>
             <a:graphicFrameLocks noGrp="1"/>
           </p:cNvGraphicFramePr>
-          <p:nvPr/>
+          <p:nvPr>
+            <p:extLst>
+              <p:ext uri="{D42A27DB-BD31-4B8C-83A1-F6EECF244321}">
+                <p14:modId xmlns:p14="http://schemas.microsoft.com/office/powerpoint/2010/main" val="2653685877"/>
+              </p:ext>
+            </p:extLst>
+          </p:nvPr>
         </p:nvGraphicFramePr>
         <p:xfrm>
           <a:off x="0" y="6532604"/>
@@ -7884,14 +7889,7 @@
                     <a:bodyPr/>
                     <a:lstStyle/>
                     <a:p>
-                      <a:r>
-                        <a:rPr lang="en-US" dirty="0"/>
-                        <a:t>Acronis @ </a:t>
-                      </a:r>
-                      <a:r>
-                        <a:rPr lang="ru-RU" dirty="0"/>
-                        <a:t>МФТИ</a:t>
-                      </a:r>
+                      <a:endParaRPr lang="ru-RU" dirty="0"/>
                     </a:p>
                   </a:txBody>
                   <a:tcPr/>
@@ -8438,7 +8436,13 @@
           <p:cNvGraphicFramePr>
             <a:graphicFrameLocks noGrp="1"/>
           </p:cNvGraphicFramePr>
-          <p:nvPr/>
+          <p:nvPr>
+            <p:extLst>
+              <p:ext uri="{D42A27DB-BD31-4B8C-83A1-F6EECF244321}">
+                <p14:modId xmlns:p14="http://schemas.microsoft.com/office/powerpoint/2010/main" val="884161960"/>
+              </p:ext>
+            </p:extLst>
+          </p:nvPr>
         </p:nvGraphicFramePr>
         <p:xfrm>
           <a:off x="0" y="6532604"/>
@@ -8465,14 +8469,7 @@
                     <a:bodyPr/>
                     <a:lstStyle/>
                     <a:p>
-                      <a:r>
-                        <a:rPr lang="en-US" dirty="0"/>
-                        <a:t>Acronis @ </a:t>
-                      </a:r>
-                      <a:r>
-                        <a:rPr lang="ru-RU" dirty="0"/>
-                        <a:t>МФТИ</a:t>
-                      </a:r>
+                      <a:endParaRPr lang="ru-RU" dirty="0"/>
                     </a:p>
                   </a:txBody>
                   <a:tcPr/>
@@ -9572,7 +9569,13 @@
           <p:cNvGraphicFramePr>
             <a:graphicFrameLocks noGrp="1"/>
           </p:cNvGraphicFramePr>
-          <p:nvPr/>
+          <p:nvPr>
+            <p:extLst>
+              <p:ext uri="{D42A27DB-BD31-4B8C-83A1-F6EECF244321}">
+                <p14:modId xmlns:p14="http://schemas.microsoft.com/office/powerpoint/2010/main" val="2400751134"/>
+              </p:ext>
+            </p:extLst>
+          </p:nvPr>
         </p:nvGraphicFramePr>
         <p:xfrm>
           <a:off x="0" y="6532604"/>
@@ -9599,14 +9602,7 @@
                     <a:bodyPr/>
                     <a:lstStyle/>
                     <a:p>
-                      <a:r>
-                        <a:rPr lang="en-US" dirty="0"/>
-                        <a:t>Acronis @ </a:t>
-                      </a:r>
-                      <a:r>
-                        <a:rPr lang="ru-RU" dirty="0"/>
-                        <a:t>МФТИ</a:t>
-                      </a:r>
+                      <a:endParaRPr lang="ru-RU" dirty="0"/>
                     </a:p>
                   </a:txBody>
                   <a:tcPr/>
@@ -10468,7 +10464,13 @@
           <p:cNvGraphicFramePr>
             <a:graphicFrameLocks noGrp="1"/>
           </p:cNvGraphicFramePr>
-          <p:nvPr/>
+          <p:nvPr>
+            <p:extLst>
+              <p:ext uri="{D42A27DB-BD31-4B8C-83A1-F6EECF244321}">
+                <p14:modId xmlns:p14="http://schemas.microsoft.com/office/powerpoint/2010/main" val="3731347644"/>
+              </p:ext>
+            </p:extLst>
+          </p:nvPr>
         </p:nvGraphicFramePr>
         <p:xfrm>
           <a:off x="0" y="6532604"/>
@@ -10495,14 +10497,7 @@
                     <a:bodyPr/>
                     <a:lstStyle/>
                     <a:p>
-                      <a:r>
-                        <a:rPr lang="en-US" dirty="0"/>
-                        <a:t>Acronis @ </a:t>
-                      </a:r>
-                      <a:r>
-                        <a:rPr lang="ru-RU" dirty="0"/>
-                        <a:t>МФТИ</a:t>
-                      </a:r>
+                      <a:endParaRPr lang="ru-RU" dirty="0"/>
                     </a:p>
                   </a:txBody>
                   <a:tcPr/>
@@ -11292,7 +11287,7 @@
           <p:nvPr>
             <p:extLst>
               <p:ext uri="{D42A27DB-BD31-4B8C-83A1-F6EECF244321}">
-                <p14:modId xmlns:p14="http://schemas.microsoft.com/office/powerpoint/2010/main" val="509008415"/>
+                <p14:modId xmlns:p14="http://schemas.microsoft.com/office/powerpoint/2010/main" val="4284709067"/>
               </p:ext>
             </p:extLst>
           </p:nvPr>
@@ -11770,7 +11765,13 @@
           <p:cNvGraphicFramePr>
             <a:graphicFrameLocks noGrp="1"/>
           </p:cNvGraphicFramePr>
-          <p:nvPr/>
+          <p:nvPr>
+            <p:extLst>
+              <p:ext uri="{D42A27DB-BD31-4B8C-83A1-F6EECF244321}">
+                <p14:modId xmlns:p14="http://schemas.microsoft.com/office/powerpoint/2010/main" val="12789150"/>
+              </p:ext>
+            </p:extLst>
+          </p:nvPr>
         </p:nvGraphicFramePr>
         <p:xfrm>
           <a:off x="0" y="6532604"/>
@@ -11797,14 +11798,7 @@
                     <a:bodyPr/>
                     <a:lstStyle/>
                     <a:p>
-                      <a:r>
-                        <a:rPr lang="en-US" dirty="0"/>
-                        <a:t>Acronis @ </a:t>
-                      </a:r>
-                      <a:r>
-                        <a:rPr lang="ru-RU" dirty="0"/>
-                        <a:t>МФТИ</a:t>
-                      </a:r>
+                      <a:endParaRPr lang="ru-RU" dirty="0"/>
                     </a:p>
                   </a:txBody>
                   <a:tcPr/>
@@ -12167,7 +12161,13 @@
           <p:cNvGraphicFramePr>
             <a:graphicFrameLocks noGrp="1"/>
           </p:cNvGraphicFramePr>
-          <p:nvPr/>
+          <p:nvPr>
+            <p:extLst>
+              <p:ext uri="{D42A27DB-BD31-4B8C-83A1-F6EECF244321}">
+                <p14:modId xmlns:p14="http://schemas.microsoft.com/office/powerpoint/2010/main" val="3371967849"/>
+              </p:ext>
+            </p:extLst>
+          </p:nvPr>
         </p:nvGraphicFramePr>
         <p:xfrm>
           <a:off x="0" y="6532604"/>
@@ -12194,14 +12194,7 @@
                     <a:bodyPr/>
                     <a:lstStyle/>
                     <a:p>
-                      <a:r>
-                        <a:rPr lang="en-US" dirty="0"/>
-                        <a:t>Acronis @ </a:t>
-                      </a:r>
-                      <a:r>
-                        <a:rPr lang="ru-RU" dirty="0"/>
-                        <a:t>МФТИ</a:t>
-                      </a:r>
+                      <a:endParaRPr lang="ru-RU" dirty="0"/>
                     </a:p>
                   </a:txBody>
                   <a:tcPr/>
@@ -13006,7 +12999,13 @@
           <p:cNvGraphicFramePr>
             <a:graphicFrameLocks noGrp="1"/>
           </p:cNvGraphicFramePr>
-          <p:nvPr/>
+          <p:nvPr>
+            <p:extLst>
+              <p:ext uri="{D42A27DB-BD31-4B8C-83A1-F6EECF244321}">
+                <p14:modId xmlns:p14="http://schemas.microsoft.com/office/powerpoint/2010/main" val="3794258589"/>
+              </p:ext>
+            </p:extLst>
+          </p:nvPr>
         </p:nvGraphicFramePr>
         <p:xfrm>
           <a:off x="0" y="6532604"/>
@@ -13033,14 +13032,7 @@
                     <a:bodyPr/>
                     <a:lstStyle/>
                     <a:p>
-                      <a:r>
-                        <a:rPr lang="en-US" dirty="0"/>
-                        <a:t>Acronis @ </a:t>
-                      </a:r>
-                      <a:r>
-                        <a:rPr lang="ru-RU" dirty="0"/>
-                        <a:t>МФТИ</a:t>
-                      </a:r>
+                      <a:endParaRPr lang="ru-RU" dirty="0"/>
                     </a:p>
                   </a:txBody>
                   <a:tcPr/>
@@ -13501,7 +13493,13 @@
           <p:cNvGraphicFramePr>
             <a:graphicFrameLocks noGrp="1"/>
           </p:cNvGraphicFramePr>
-          <p:nvPr/>
+          <p:nvPr>
+            <p:extLst>
+              <p:ext uri="{D42A27DB-BD31-4B8C-83A1-F6EECF244321}">
+                <p14:modId xmlns:p14="http://schemas.microsoft.com/office/powerpoint/2010/main" val="2438563536"/>
+              </p:ext>
+            </p:extLst>
+          </p:nvPr>
         </p:nvGraphicFramePr>
         <p:xfrm>
           <a:off x="0" y="6532604"/>
@@ -13528,14 +13526,7 @@
                     <a:bodyPr/>
                     <a:lstStyle/>
                     <a:p>
-                      <a:r>
-                        <a:rPr lang="en-US" dirty="0"/>
-                        <a:t>Acronis @ </a:t>
-                      </a:r>
-                      <a:r>
-                        <a:rPr lang="ru-RU" dirty="0"/>
-                        <a:t>МФТИ</a:t>
-                      </a:r>
+                      <a:endParaRPr lang="ru-RU" dirty="0"/>
                     </a:p>
                   </a:txBody>
                   <a:tcPr/>
@@ -14050,7 +14041,13 @@
           <p:cNvGraphicFramePr>
             <a:graphicFrameLocks noGrp="1"/>
           </p:cNvGraphicFramePr>
-          <p:nvPr/>
+          <p:nvPr>
+            <p:extLst>
+              <p:ext uri="{D42A27DB-BD31-4B8C-83A1-F6EECF244321}">
+                <p14:modId xmlns:p14="http://schemas.microsoft.com/office/powerpoint/2010/main" val="796789544"/>
+              </p:ext>
+            </p:extLst>
+          </p:nvPr>
         </p:nvGraphicFramePr>
         <p:xfrm>
           <a:off x="0" y="6532604"/>
@@ -14077,14 +14074,7 @@
                     <a:bodyPr/>
                     <a:lstStyle/>
                     <a:p>
-                      <a:r>
-                        <a:rPr lang="en-US" dirty="0"/>
-                        <a:t>Acronis @ </a:t>
-                      </a:r>
-                      <a:r>
-                        <a:rPr lang="ru-RU" dirty="0"/>
-                        <a:t>МФТИ</a:t>
-                      </a:r>
+                      <a:endParaRPr lang="ru-RU" dirty="0"/>
                     </a:p>
                   </a:txBody>
                   <a:tcPr/>
@@ -14532,7 +14522,13 @@
           <p:cNvGraphicFramePr>
             <a:graphicFrameLocks noGrp="1"/>
           </p:cNvGraphicFramePr>
-          <p:nvPr/>
+          <p:nvPr>
+            <p:extLst>
+              <p:ext uri="{D42A27DB-BD31-4B8C-83A1-F6EECF244321}">
+                <p14:modId xmlns:p14="http://schemas.microsoft.com/office/powerpoint/2010/main" val="3596733809"/>
+              </p:ext>
+            </p:extLst>
+          </p:nvPr>
         </p:nvGraphicFramePr>
         <p:xfrm>
           <a:off x="0" y="6532604"/>
@@ -14559,14 +14555,7 @@
                     <a:bodyPr/>
                     <a:lstStyle/>
                     <a:p>
-                      <a:r>
-                        <a:rPr lang="en-US" dirty="0"/>
-                        <a:t>Acronis @ </a:t>
-                      </a:r>
-                      <a:r>
-                        <a:rPr lang="ru-RU" dirty="0"/>
-                        <a:t>МФТИ</a:t>
-                      </a:r>
+                      <a:endParaRPr lang="ru-RU" dirty="0"/>
                     </a:p>
                   </a:txBody>
                   <a:tcPr/>
@@ -14893,7 +14882,13 @@
           <p:cNvGraphicFramePr>
             <a:graphicFrameLocks noGrp="1"/>
           </p:cNvGraphicFramePr>
-          <p:nvPr/>
+          <p:nvPr>
+            <p:extLst>
+              <p:ext uri="{D42A27DB-BD31-4B8C-83A1-F6EECF244321}">
+                <p14:modId xmlns:p14="http://schemas.microsoft.com/office/powerpoint/2010/main" val="3008186595"/>
+              </p:ext>
+            </p:extLst>
+          </p:nvPr>
         </p:nvGraphicFramePr>
         <p:xfrm>
           <a:off x="0" y="6532604"/>
@@ -14920,14 +14915,7 @@
                     <a:bodyPr/>
                     <a:lstStyle/>
                     <a:p>
-                      <a:r>
-                        <a:rPr lang="en-US" dirty="0"/>
-                        <a:t>Acronis @ </a:t>
-                      </a:r>
-                      <a:r>
-                        <a:rPr lang="ru-RU" dirty="0"/>
-                        <a:t>МФТИ</a:t>
-                      </a:r>
+                      <a:endParaRPr lang="ru-RU" dirty="0"/>
                     </a:p>
                   </a:txBody>
                   <a:tcPr/>
@@ -15400,7 +15388,13 @@
           <p:cNvGraphicFramePr>
             <a:graphicFrameLocks noGrp="1"/>
           </p:cNvGraphicFramePr>
-          <p:nvPr/>
+          <p:nvPr>
+            <p:extLst>
+              <p:ext uri="{D42A27DB-BD31-4B8C-83A1-F6EECF244321}">
+                <p14:modId xmlns:p14="http://schemas.microsoft.com/office/powerpoint/2010/main" val="2913639534"/>
+              </p:ext>
+            </p:extLst>
+          </p:nvPr>
         </p:nvGraphicFramePr>
         <p:xfrm>
           <a:off x="0" y="6532604"/>
@@ -15427,14 +15421,7 @@
                     <a:bodyPr/>
                     <a:lstStyle/>
                     <a:p>
-                      <a:r>
-                        <a:rPr lang="en-US" dirty="0"/>
-                        <a:t>Acronis @ </a:t>
-                      </a:r>
-                      <a:r>
-                        <a:rPr lang="ru-RU" dirty="0"/>
-                        <a:t>МФТИ</a:t>
-                      </a:r>
+                      <a:endParaRPr lang="ru-RU" dirty="0"/>
                     </a:p>
                   </a:txBody>
                   <a:tcPr/>
@@ -15642,7 +15629,13 @@
           <p:cNvGraphicFramePr>
             <a:graphicFrameLocks noGrp="1"/>
           </p:cNvGraphicFramePr>
-          <p:nvPr/>
+          <p:nvPr>
+            <p:extLst>
+              <p:ext uri="{D42A27DB-BD31-4B8C-83A1-F6EECF244321}">
+                <p14:modId xmlns:p14="http://schemas.microsoft.com/office/powerpoint/2010/main" val="3884839340"/>
+              </p:ext>
+            </p:extLst>
+          </p:nvPr>
         </p:nvGraphicFramePr>
         <p:xfrm>
           <a:off x="0" y="6532604"/>
@@ -15669,14 +15662,7 @@
                     <a:bodyPr/>
                     <a:lstStyle/>
                     <a:p>
-                      <a:r>
-                        <a:rPr lang="en-US" dirty="0"/>
-                        <a:t>Acronis @ </a:t>
-                      </a:r>
-                      <a:r>
-                        <a:rPr lang="ru-RU" dirty="0"/>
-                        <a:t>МФТИ</a:t>
-                      </a:r>
+                      <a:endParaRPr lang="ru-RU" dirty="0"/>
                     </a:p>
                   </a:txBody>
                   <a:tcPr/>
@@ -16140,7 +16126,13 @@
           <p:cNvGraphicFramePr>
             <a:graphicFrameLocks noGrp="1"/>
           </p:cNvGraphicFramePr>
-          <p:nvPr/>
+          <p:nvPr>
+            <p:extLst>
+              <p:ext uri="{D42A27DB-BD31-4B8C-83A1-F6EECF244321}">
+                <p14:modId xmlns:p14="http://schemas.microsoft.com/office/powerpoint/2010/main" val="1326831715"/>
+              </p:ext>
+            </p:extLst>
+          </p:nvPr>
         </p:nvGraphicFramePr>
         <p:xfrm>
           <a:off x="0" y="6532604"/>
@@ -16167,14 +16159,7 @@
                     <a:bodyPr/>
                     <a:lstStyle/>
                     <a:p>
-                      <a:r>
-                        <a:rPr lang="en-US" dirty="0"/>
-                        <a:t>Acronis @ </a:t>
-                      </a:r>
-                      <a:r>
-                        <a:rPr lang="ru-RU" dirty="0"/>
-                        <a:t>МФТИ</a:t>
-                      </a:r>
+                      <a:endParaRPr lang="ru-RU" dirty="0"/>
                     </a:p>
                   </a:txBody>
                   <a:tcPr/>
@@ -16740,7 +16725,13 @@
           <p:cNvGraphicFramePr>
             <a:graphicFrameLocks noGrp="1"/>
           </p:cNvGraphicFramePr>
-          <p:nvPr/>
+          <p:nvPr>
+            <p:extLst>
+              <p:ext uri="{D42A27DB-BD31-4B8C-83A1-F6EECF244321}">
+                <p14:modId xmlns:p14="http://schemas.microsoft.com/office/powerpoint/2010/main" val="1042932511"/>
+              </p:ext>
+            </p:extLst>
+          </p:nvPr>
         </p:nvGraphicFramePr>
         <p:xfrm>
           <a:off x="0" y="6532604"/>
@@ -16767,14 +16758,7 @@
                     <a:bodyPr/>
                     <a:lstStyle/>
                     <a:p>
-                      <a:r>
-                        <a:rPr lang="en-US" dirty="0"/>
-                        <a:t>Acronis @ </a:t>
-                      </a:r>
-                      <a:r>
-                        <a:rPr lang="ru-RU" dirty="0"/>
-                        <a:t>МФТИ</a:t>
-                      </a:r>
+                      <a:endParaRPr lang="ru-RU" dirty="0"/>
                     </a:p>
                   </a:txBody>
                   <a:tcPr/>
@@ -17203,7 +17187,13 @@
           <p:cNvGraphicFramePr>
             <a:graphicFrameLocks noGrp="1"/>
           </p:cNvGraphicFramePr>
-          <p:nvPr/>
+          <p:nvPr>
+            <p:extLst>
+              <p:ext uri="{D42A27DB-BD31-4B8C-83A1-F6EECF244321}">
+                <p14:modId xmlns:p14="http://schemas.microsoft.com/office/powerpoint/2010/main" val="319438837"/>
+              </p:ext>
+            </p:extLst>
+          </p:nvPr>
         </p:nvGraphicFramePr>
         <p:xfrm>
           <a:off x="0" y="6532604"/>
@@ -17230,14 +17220,7 @@
                     <a:bodyPr/>
                     <a:lstStyle/>
                     <a:p>
-                      <a:r>
-                        <a:rPr lang="en-US" dirty="0"/>
-                        <a:t>Acronis @ </a:t>
-                      </a:r>
-                      <a:r>
-                        <a:rPr lang="ru-RU" dirty="0"/>
-                        <a:t>МФТИ</a:t>
-                      </a:r>
+                      <a:endParaRPr lang="ru-RU" dirty="0"/>
                     </a:p>
                   </a:txBody>
                   <a:tcPr/>
@@ -18138,7 +18121,13 @@
           <p:cNvGraphicFramePr>
             <a:graphicFrameLocks noGrp="1"/>
           </p:cNvGraphicFramePr>
-          <p:nvPr/>
+          <p:nvPr>
+            <p:extLst>
+              <p:ext uri="{D42A27DB-BD31-4B8C-83A1-F6EECF244321}">
+                <p14:modId xmlns:p14="http://schemas.microsoft.com/office/powerpoint/2010/main" val="2398550625"/>
+              </p:ext>
+            </p:extLst>
+          </p:nvPr>
         </p:nvGraphicFramePr>
         <p:xfrm>
           <a:off x="0" y="6532604"/>
@@ -18165,14 +18154,7 @@
                     <a:bodyPr/>
                     <a:lstStyle/>
                     <a:p>
-                      <a:r>
-                        <a:rPr lang="en-US" dirty="0"/>
-                        <a:t>Acronis @ </a:t>
-                      </a:r>
-                      <a:r>
-                        <a:rPr lang="ru-RU" dirty="0"/>
-                        <a:t>МФТИ</a:t>
-                      </a:r>
+                      <a:endParaRPr lang="ru-RU" dirty="0"/>
                     </a:p>
                   </a:txBody>
                   <a:tcPr/>
@@ -19834,7 +19816,13 @@
           <p:cNvGraphicFramePr>
             <a:graphicFrameLocks noGrp="1"/>
           </p:cNvGraphicFramePr>
-          <p:nvPr/>
+          <p:nvPr>
+            <p:extLst>
+              <p:ext uri="{D42A27DB-BD31-4B8C-83A1-F6EECF244321}">
+                <p14:modId xmlns:p14="http://schemas.microsoft.com/office/powerpoint/2010/main" val="168431465"/>
+              </p:ext>
+            </p:extLst>
+          </p:nvPr>
         </p:nvGraphicFramePr>
         <p:xfrm>
           <a:off x="0" y="6532604"/>
@@ -19861,14 +19849,7 @@
                     <a:bodyPr/>
                     <a:lstStyle/>
                     <a:p>
-                      <a:r>
-                        <a:rPr lang="en-US" dirty="0"/>
-                        <a:t>Acronis @ </a:t>
-                      </a:r>
-                      <a:r>
-                        <a:rPr lang="ru-RU" dirty="0"/>
-                        <a:t>МФТИ</a:t>
-                      </a:r>
+                      <a:endParaRPr lang="ru-RU" dirty="0"/>
                     </a:p>
                   </a:txBody>
                   <a:tcPr/>
@@ -20223,7 +20204,13 @@
           <p:cNvGraphicFramePr>
             <a:graphicFrameLocks noGrp="1"/>
           </p:cNvGraphicFramePr>
-          <p:nvPr/>
+          <p:nvPr>
+            <p:extLst>
+              <p:ext uri="{D42A27DB-BD31-4B8C-83A1-F6EECF244321}">
+                <p14:modId xmlns:p14="http://schemas.microsoft.com/office/powerpoint/2010/main" val="2913802836"/>
+              </p:ext>
+            </p:extLst>
+          </p:nvPr>
         </p:nvGraphicFramePr>
         <p:xfrm>
           <a:off x="0" y="6532604"/>
@@ -20250,14 +20237,7 @@
                     <a:bodyPr/>
                     <a:lstStyle/>
                     <a:p>
-                      <a:r>
-                        <a:rPr lang="en-US" dirty="0"/>
-                        <a:t>Acronis @ </a:t>
-                      </a:r>
-                      <a:r>
-                        <a:rPr lang="ru-RU" dirty="0"/>
-                        <a:t>МФТИ</a:t>
-                      </a:r>
+                      <a:endParaRPr lang="ru-RU" dirty="0"/>
                     </a:p>
                   </a:txBody>
                   <a:tcPr/>
@@ -20682,7 +20662,13 @@
           <p:cNvGraphicFramePr>
             <a:graphicFrameLocks noGrp="1"/>
           </p:cNvGraphicFramePr>
-          <p:nvPr/>
+          <p:nvPr>
+            <p:extLst>
+              <p:ext uri="{D42A27DB-BD31-4B8C-83A1-F6EECF244321}">
+                <p14:modId xmlns:p14="http://schemas.microsoft.com/office/powerpoint/2010/main" val="2279371202"/>
+              </p:ext>
+            </p:extLst>
+          </p:nvPr>
         </p:nvGraphicFramePr>
         <p:xfrm>
           <a:off x="0" y="6532604"/>
@@ -20709,14 +20695,7 @@
                     <a:bodyPr/>
                     <a:lstStyle/>
                     <a:p>
-                      <a:r>
-                        <a:rPr lang="en-US" dirty="0"/>
-                        <a:t>Acronis @ </a:t>
-                      </a:r>
-                      <a:r>
-                        <a:rPr lang="ru-RU" dirty="0"/>
-                        <a:t>МФТИ</a:t>
-                      </a:r>
+                      <a:endParaRPr lang="ru-RU" dirty="0"/>
                     </a:p>
                   </a:txBody>
                   <a:tcPr/>
@@ -21196,7 +21175,13 @@
           <p:cNvGraphicFramePr>
             <a:graphicFrameLocks noGrp="1"/>
           </p:cNvGraphicFramePr>
-          <p:nvPr/>
+          <p:nvPr>
+            <p:extLst>
+              <p:ext uri="{D42A27DB-BD31-4B8C-83A1-F6EECF244321}">
+                <p14:modId xmlns:p14="http://schemas.microsoft.com/office/powerpoint/2010/main" val="4246886182"/>
+              </p:ext>
+            </p:extLst>
+          </p:nvPr>
         </p:nvGraphicFramePr>
         <p:xfrm>
           <a:off x="0" y="6532604"/>
@@ -21223,14 +21208,7 @@
                     <a:bodyPr/>
                     <a:lstStyle/>
                     <a:p>
-                      <a:r>
-                        <a:rPr lang="en-US" dirty="0"/>
-                        <a:t>Acronis @ </a:t>
-                      </a:r>
-                      <a:r>
-                        <a:rPr lang="ru-RU" dirty="0"/>
-                        <a:t>МФТИ</a:t>
-                      </a:r>
+                      <a:endParaRPr lang="ru-RU" dirty="0"/>
                     </a:p>
                   </a:txBody>
                   <a:tcPr/>
@@ -21847,7 +21825,7 @@
           <p:nvPr>
             <p:extLst>
               <p:ext uri="{D42A27DB-BD31-4B8C-83A1-F6EECF244321}">
-                <p14:modId xmlns:p14="http://schemas.microsoft.com/office/powerpoint/2010/main" val="268451700"/>
+                <p14:modId xmlns:p14="http://schemas.microsoft.com/office/powerpoint/2010/main" val="674451372"/>
               </p:ext>
             </p:extLst>
           </p:nvPr>
@@ -21877,14 +21855,7 @@
                     <a:bodyPr/>
                     <a:lstStyle/>
                     <a:p>
-                      <a:r>
-                        <a:rPr lang="en-US" dirty="0"/>
-                        <a:t>Acronis @ </a:t>
-                      </a:r>
-                      <a:r>
-                        <a:rPr lang="ru-RU" dirty="0"/>
-                        <a:t>МФТИ</a:t>
-                      </a:r>
+                      <a:endParaRPr lang="ru-RU" dirty="0"/>
                     </a:p>
                   </a:txBody>
                   <a:tcPr/>
@@ -22562,7 +22533,13 @@
           <p:cNvGraphicFramePr>
             <a:graphicFrameLocks noGrp="1"/>
           </p:cNvGraphicFramePr>
-          <p:nvPr/>
+          <p:nvPr>
+            <p:extLst>
+              <p:ext uri="{D42A27DB-BD31-4B8C-83A1-F6EECF244321}">
+                <p14:modId xmlns:p14="http://schemas.microsoft.com/office/powerpoint/2010/main" val="4124275961"/>
+              </p:ext>
+            </p:extLst>
+          </p:nvPr>
         </p:nvGraphicFramePr>
         <p:xfrm>
           <a:off x="0" y="6532604"/>
@@ -22589,14 +22566,7 @@
                     <a:bodyPr/>
                     <a:lstStyle/>
                     <a:p>
-                      <a:r>
-                        <a:rPr lang="en-US" dirty="0"/>
-                        <a:t>Acronis @ </a:t>
-                      </a:r>
-                      <a:r>
-                        <a:rPr lang="ru-RU" dirty="0"/>
-                        <a:t>МФТИ</a:t>
-                      </a:r>
+                      <a:endParaRPr lang="ru-RU" dirty="0"/>
                     </a:p>
                   </a:txBody>
                   <a:tcPr/>
@@ -23064,7 +23034,13 @@
           <p:cNvGraphicFramePr>
             <a:graphicFrameLocks noGrp="1"/>
           </p:cNvGraphicFramePr>
-          <p:nvPr/>
+          <p:nvPr>
+            <p:extLst>
+              <p:ext uri="{D42A27DB-BD31-4B8C-83A1-F6EECF244321}">
+                <p14:modId xmlns:p14="http://schemas.microsoft.com/office/powerpoint/2010/main" val="3350438366"/>
+              </p:ext>
+            </p:extLst>
+          </p:nvPr>
         </p:nvGraphicFramePr>
         <p:xfrm>
           <a:off x="0" y="6532604"/>
@@ -23091,14 +23067,7 @@
                     <a:bodyPr/>
                     <a:lstStyle/>
                     <a:p>
-                      <a:r>
-                        <a:rPr lang="en-US" dirty="0"/>
-                        <a:t>Acronis @ </a:t>
-                      </a:r>
-                      <a:r>
-                        <a:rPr lang="ru-RU" dirty="0"/>
-                        <a:t>МФТИ</a:t>
-                      </a:r>
+                      <a:endParaRPr lang="ru-RU" dirty="0"/>
                     </a:p>
                   </a:txBody>
                   <a:tcPr/>
@@ -23570,7 +23539,13 @@
           <p:cNvGraphicFramePr>
             <a:graphicFrameLocks noGrp="1"/>
           </p:cNvGraphicFramePr>
-          <p:nvPr/>
+          <p:nvPr>
+            <p:extLst>
+              <p:ext uri="{D42A27DB-BD31-4B8C-83A1-F6EECF244321}">
+                <p14:modId xmlns:p14="http://schemas.microsoft.com/office/powerpoint/2010/main" val="667042956"/>
+              </p:ext>
+            </p:extLst>
+          </p:nvPr>
         </p:nvGraphicFramePr>
         <p:xfrm>
           <a:off x="0" y="6532604"/>
@@ -23597,14 +23572,7 @@
                     <a:bodyPr/>
                     <a:lstStyle/>
                     <a:p>
-                      <a:r>
-                        <a:rPr lang="en-US" dirty="0"/>
-                        <a:t>Acronis @ </a:t>
-                      </a:r>
-                      <a:r>
-                        <a:rPr lang="ru-RU" dirty="0"/>
-                        <a:t>МФТИ</a:t>
-                      </a:r>
+                      <a:endParaRPr lang="ru-RU" dirty="0"/>
                     </a:p>
                   </a:txBody>
                   <a:tcPr/>
@@ -24076,7 +24044,13 @@
           <p:cNvGraphicFramePr>
             <a:graphicFrameLocks noGrp="1"/>
           </p:cNvGraphicFramePr>
-          <p:nvPr/>
+          <p:nvPr>
+            <p:extLst>
+              <p:ext uri="{D42A27DB-BD31-4B8C-83A1-F6EECF244321}">
+                <p14:modId xmlns:p14="http://schemas.microsoft.com/office/powerpoint/2010/main" val="995618477"/>
+              </p:ext>
+            </p:extLst>
+          </p:nvPr>
         </p:nvGraphicFramePr>
         <p:xfrm>
           <a:off x="0" y="6532604"/>
@@ -24103,14 +24077,7 @@
                     <a:bodyPr/>
                     <a:lstStyle/>
                     <a:p>
-                      <a:r>
-                        <a:rPr lang="en-US" dirty="0"/>
-                        <a:t>Acronis @ </a:t>
-                      </a:r>
-                      <a:r>
-                        <a:rPr lang="ru-RU" dirty="0"/>
-                        <a:t>МФТИ</a:t>
-                      </a:r>
+                      <a:endParaRPr lang="ru-RU" dirty="0"/>
                     </a:p>
                   </a:txBody>
                   <a:tcPr/>
@@ -24625,7 +24592,13 @@
           <p:cNvGraphicFramePr>
             <a:graphicFrameLocks noGrp="1"/>
           </p:cNvGraphicFramePr>
-          <p:nvPr/>
+          <p:nvPr>
+            <p:extLst>
+              <p:ext uri="{D42A27DB-BD31-4B8C-83A1-F6EECF244321}">
+                <p14:modId xmlns:p14="http://schemas.microsoft.com/office/powerpoint/2010/main" val="4056767504"/>
+              </p:ext>
+            </p:extLst>
+          </p:nvPr>
         </p:nvGraphicFramePr>
         <p:xfrm>
           <a:off x="0" y="6532604"/>
@@ -24652,14 +24625,7 @@
                     <a:bodyPr/>
                     <a:lstStyle/>
                     <a:p>
-                      <a:r>
-                        <a:rPr lang="en-US" dirty="0"/>
-                        <a:t>Acronis @ </a:t>
-                      </a:r>
-                      <a:r>
-                        <a:rPr lang="ru-RU" dirty="0"/>
-                        <a:t>МФТИ</a:t>
-                      </a:r>
+                      <a:endParaRPr lang="ru-RU" dirty="0"/>
                     </a:p>
                   </a:txBody>
                   <a:tcPr/>
@@ -25220,7 +25186,13 @@
           <p:cNvGraphicFramePr>
             <a:graphicFrameLocks noGrp="1"/>
           </p:cNvGraphicFramePr>
-          <p:nvPr/>
+          <p:nvPr>
+            <p:extLst>
+              <p:ext uri="{D42A27DB-BD31-4B8C-83A1-F6EECF244321}">
+                <p14:modId xmlns:p14="http://schemas.microsoft.com/office/powerpoint/2010/main" val="3321490026"/>
+              </p:ext>
+            </p:extLst>
+          </p:nvPr>
         </p:nvGraphicFramePr>
         <p:xfrm>
           <a:off x="0" y="6532604"/>
@@ -25247,14 +25219,7 @@
                     <a:bodyPr/>
                     <a:lstStyle/>
                     <a:p>
-                      <a:r>
-                        <a:rPr lang="en-US" dirty="0"/>
-                        <a:t>Acronis @ </a:t>
-                      </a:r>
-                      <a:r>
-                        <a:rPr lang="ru-RU" dirty="0"/>
-                        <a:t>МФТИ</a:t>
-                      </a:r>
+                      <a:endParaRPr lang="ru-RU" dirty="0"/>
                     </a:p>
                   </a:txBody>
                   <a:tcPr/>
@@ -25472,7 +25437,13 @@
           <p:cNvGraphicFramePr>
             <a:graphicFrameLocks noGrp="1"/>
           </p:cNvGraphicFramePr>
-          <p:nvPr/>
+          <p:nvPr>
+            <p:extLst>
+              <p:ext uri="{D42A27DB-BD31-4B8C-83A1-F6EECF244321}">
+                <p14:modId xmlns:p14="http://schemas.microsoft.com/office/powerpoint/2010/main" val="495623038"/>
+              </p:ext>
+            </p:extLst>
+          </p:nvPr>
         </p:nvGraphicFramePr>
         <p:xfrm>
           <a:off x="0" y="6532604"/>
@@ -25499,14 +25470,7 @@
                     <a:bodyPr/>
                     <a:lstStyle/>
                     <a:p>
-                      <a:r>
-                        <a:rPr lang="en-US" dirty="0"/>
-                        <a:t>Acronis @ </a:t>
-                      </a:r>
-                      <a:r>
-                        <a:rPr lang="ru-RU" dirty="0"/>
-                        <a:t>МФТИ</a:t>
-                      </a:r>
+                      <a:endParaRPr lang="ru-RU" dirty="0"/>
                     </a:p>
                   </a:txBody>
                   <a:tcPr/>
@@ -25861,7 +25825,13 @@
           <p:cNvGraphicFramePr>
             <a:graphicFrameLocks noGrp="1"/>
           </p:cNvGraphicFramePr>
-          <p:nvPr/>
+          <p:nvPr>
+            <p:extLst>
+              <p:ext uri="{D42A27DB-BD31-4B8C-83A1-F6EECF244321}">
+                <p14:modId xmlns:p14="http://schemas.microsoft.com/office/powerpoint/2010/main" val="424819511"/>
+              </p:ext>
+            </p:extLst>
+          </p:nvPr>
         </p:nvGraphicFramePr>
         <p:xfrm>
           <a:off x="0" y="6532604"/>
@@ -25888,14 +25858,7 @@
                     <a:bodyPr/>
                     <a:lstStyle/>
                     <a:p>
-                      <a:r>
-                        <a:rPr lang="en-US" dirty="0"/>
-                        <a:t>Acronis @ </a:t>
-                      </a:r>
-                      <a:r>
-                        <a:rPr lang="ru-RU" dirty="0"/>
-                        <a:t>МФТИ</a:t>
-                      </a:r>
+                      <a:endParaRPr lang="ru-RU" dirty="0"/>
                     </a:p>
                   </a:txBody>
                   <a:tcPr/>
@@ -26630,7 +26593,13 @@
           <p:cNvGraphicFramePr>
             <a:graphicFrameLocks noGrp="1"/>
           </p:cNvGraphicFramePr>
-          <p:nvPr/>
+          <p:nvPr>
+            <p:extLst>
+              <p:ext uri="{D42A27DB-BD31-4B8C-83A1-F6EECF244321}">
+                <p14:modId xmlns:p14="http://schemas.microsoft.com/office/powerpoint/2010/main" val="3479112241"/>
+              </p:ext>
+            </p:extLst>
+          </p:nvPr>
         </p:nvGraphicFramePr>
         <p:xfrm>
           <a:off x="0" y="6532604"/>
@@ -26657,14 +26626,7 @@
                     <a:bodyPr/>
                     <a:lstStyle/>
                     <a:p>
-                      <a:r>
-                        <a:rPr lang="en-US" dirty="0"/>
-                        <a:t>Acronis @ </a:t>
-                      </a:r>
-                      <a:r>
-                        <a:rPr lang="ru-RU" dirty="0"/>
-                        <a:t>МФТИ</a:t>
-                      </a:r>
+                      <a:endParaRPr lang="ru-RU" dirty="0"/>
                     </a:p>
                   </a:txBody>
                   <a:tcPr/>
@@ -27505,7 +27467,13 @@
           <p:cNvGraphicFramePr>
             <a:graphicFrameLocks noGrp="1"/>
           </p:cNvGraphicFramePr>
-          <p:nvPr/>
+          <p:nvPr>
+            <p:extLst>
+              <p:ext uri="{D42A27DB-BD31-4B8C-83A1-F6EECF244321}">
+                <p14:modId xmlns:p14="http://schemas.microsoft.com/office/powerpoint/2010/main" val="1790988980"/>
+              </p:ext>
+            </p:extLst>
+          </p:nvPr>
         </p:nvGraphicFramePr>
         <p:xfrm>
           <a:off x="0" y="6532604"/>
@@ -27532,14 +27500,7 @@
                     <a:bodyPr/>
                     <a:lstStyle/>
                     <a:p>
-                      <a:r>
-                        <a:rPr lang="en-US" dirty="0"/>
-                        <a:t>Acronis @ </a:t>
-                      </a:r>
-                      <a:r>
-                        <a:rPr lang="ru-RU" dirty="0"/>
-                        <a:t>МФТИ</a:t>
-                      </a:r>
+                      <a:endParaRPr lang="ru-RU" dirty="0"/>
                     </a:p>
                   </a:txBody>
                   <a:tcPr/>
@@ -28402,7 +28363,13 @@
           <p:cNvGraphicFramePr>
             <a:graphicFrameLocks noGrp="1"/>
           </p:cNvGraphicFramePr>
-          <p:nvPr/>
+          <p:nvPr>
+            <p:extLst>
+              <p:ext uri="{D42A27DB-BD31-4B8C-83A1-F6EECF244321}">
+                <p14:modId xmlns:p14="http://schemas.microsoft.com/office/powerpoint/2010/main" val="860536831"/>
+              </p:ext>
+            </p:extLst>
+          </p:nvPr>
         </p:nvGraphicFramePr>
         <p:xfrm>
           <a:off x="0" y="6532604"/>
@@ -28429,14 +28396,7 @@
                     <a:bodyPr/>
                     <a:lstStyle/>
                     <a:p>
-                      <a:r>
-                        <a:rPr lang="en-US" dirty="0"/>
-                        <a:t>Acronis @ </a:t>
-                      </a:r>
-                      <a:r>
-                        <a:rPr lang="ru-RU" dirty="0"/>
-                        <a:t>МФТИ</a:t>
-                      </a:r>
+                      <a:endParaRPr lang="ru-RU" dirty="0"/>
                     </a:p>
                   </a:txBody>
                   <a:tcPr/>
@@ -29288,7 +29248,13 @@
           <p:cNvGraphicFramePr>
             <a:graphicFrameLocks noGrp="1"/>
           </p:cNvGraphicFramePr>
-          <p:nvPr/>
+          <p:nvPr>
+            <p:extLst>
+              <p:ext uri="{D42A27DB-BD31-4B8C-83A1-F6EECF244321}">
+                <p14:modId xmlns:p14="http://schemas.microsoft.com/office/powerpoint/2010/main" val="2585684325"/>
+              </p:ext>
+            </p:extLst>
+          </p:nvPr>
         </p:nvGraphicFramePr>
         <p:xfrm>
           <a:off x="0" y="6532604"/>
@@ -29315,14 +29281,7 @@
                     <a:bodyPr/>
                     <a:lstStyle/>
                     <a:p>
-                      <a:r>
-                        <a:rPr lang="en-US" dirty="0"/>
-                        <a:t>Acronis @ </a:t>
-                      </a:r>
-                      <a:r>
-                        <a:rPr lang="ru-RU" dirty="0"/>
-                        <a:t>МФТИ</a:t>
-                      </a:r>
+                      <a:endParaRPr lang="ru-RU" dirty="0"/>
                     </a:p>
                   </a:txBody>
                   <a:tcPr/>
@@ -30136,7 +30095,13 @@
           <p:cNvGraphicFramePr>
             <a:graphicFrameLocks noGrp="1"/>
           </p:cNvGraphicFramePr>
-          <p:nvPr/>
+          <p:nvPr>
+            <p:extLst>
+              <p:ext uri="{D42A27DB-BD31-4B8C-83A1-F6EECF244321}">
+                <p14:modId xmlns:p14="http://schemas.microsoft.com/office/powerpoint/2010/main" val="974267493"/>
+              </p:ext>
+            </p:extLst>
+          </p:nvPr>
         </p:nvGraphicFramePr>
         <p:xfrm>
           <a:off x="0" y="6532604"/>
@@ -30163,14 +30128,7 @@
                     <a:bodyPr/>
                     <a:lstStyle/>
                     <a:p>
-                      <a:r>
-                        <a:rPr lang="en-US" dirty="0"/>
-                        <a:t>Acronis @ </a:t>
-                      </a:r>
-                      <a:r>
-                        <a:rPr lang="ru-RU" dirty="0"/>
-                        <a:t>МФТИ</a:t>
-                      </a:r>
+                      <a:endParaRPr lang="ru-RU" dirty="0"/>
                     </a:p>
                   </a:txBody>
                   <a:tcPr/>
